--- a/github message.pptx
+++ b/github message.pptx
@@ -3390,19 +3390,19 @@
         </p:nvSpPr>
         <p:spPr>
           <a:xfrm>
-            <a:off x="6337369" y="0"/>
-            <a:ext cx="4813072" cy="913054"/>
+            <a:off x="6949440" y="143127"/>
+            <a:ext cx="2427860" cy="913054"/>
           </a:xfrm>
         </p:spPr>
         <p:txBody>
           <a:bodyPr>
-            <a:normAutofit fontScale="90000"/>
+            <a:normAutofit/>
           </a:bodyPr>
           <a:lstStyle/>
           <a:p>
             <a:pPr algn="r"/>
             <a:r>
-              <a:rPr lang="en-US" dirty="0">
+              <a:rPr lang="en-US" sz="4800" dirty="0">
                 <a:latin typeface="Garamond" panose="02020404030301010803" pitchFamily="18" charset="0"/>
                 <a:ea typeface="Tahoma" panose="020B0604030504040204" pitchFamily="34" charset="0"/>
                 <a:cs typeface="Tahoma" panose="020B0604030504040204" pitchFamily="34" charset="0"/>
@@ -3426,8 +3426,8 @@
         </p:nvSpPr>
         <p:spPr>
           <a:xfrm>
-            <a:off x="5981941" y="1011326"/>
-            <a:ext cx="5124769" cy="646331"/>
+            <a:off x="6885830" y="1010592"/>
+            <a:ext cx="3950536" cy="646331"/>
           </a:xfrm>
           <a:prstGeom prst="rect">
             <a:avLst/>
@@ -3451,7 +3451,13 @@
               <a:rPr lang="en-GB" sz="3600" b="1" dirty="0">
                 <a:latin typeface="Garamond" panose="02020404030301010803" pitchFamily="18" charset="0"/>
               </a:rPr>
-              <a:t> Adrian Sudbury</a:t>
+              <a:t> </a:t>
+            </a:r>
+            <a:r>
+              <a:rPr lang="en-GB" sz="3600" dirty="0">
+                <a:latin typeface="Garamond" panose="02020404030301010803" pitchFamily="18" charset="0"/>
+              </a:rPr>
+              <a:t>Adrian Sudbury</a:t>
             </a:r>
           </a:p>
         </p:txBody>
@@ -3471,7 +3477,7 @@
         <p:spPr>
           <a:xfrm>
             <a:off x="6949440" y="1909807"/>
-            <a:ext cx="4201001" cy="4524315"/>
+            <a:ext cx="4201001" cy="3539430"/>
           </a:xfrm>
           <a:prstGeom prst="rect">
             <a:avLst/>
@@ -3525,7 +3531,7 @@
               <a:rPr lang="en-GB" sz="3200" dirty="0">
                 <a:latin typeface="Garamond" panose="02020404030301010803" pitchFamily="18" charset="0"/>
               </a:rPr>
-              <a:t>Azure </a:t>
+              <a:t>Node.js</a:t>
             </a:r>
           </a:p>
           <a:p>
@@ -3534,11 +3540,14 @@
               <a:buChar char="•"/>
             </a:pPr>
             <a:r>
-              <a:rPr lang="en-GB" sz="3200" dirty="0">
+              <a:rPr lang="en-GB" sz="3200" dirty="0" err="1">
                 <a:latin typeface="Garamond" panose="02020404030301010803" pitchFamily="18" charset="0"/>
               </a:rPr>
-              <a:t>Dot Net Core </a:t>
-            </a:r>
+              <a:t>Pulumi</a:t>
+            </a:r>
+            <a:endParaRPr lang="en-GB" sz="3200" dirty="0">
+              <a:latin typeface="Garamond" panose="02020404030301010803" pitchFamily="18" charset="0"/>
+            </a:endParaRPr>
           </a:p>
           <a:p>
             <a:pPr marL="457200" indent="-457200">
@@ -3549,35 +3558,8 @@
               <a:rPr lang="en-GB" sz="3200" dirty="0">
                 <a:latin typeface="Garamond" panose="02020404030301010803" pitchFamily="18" charset="0"/>
               </a:rPr>
-              <a:t>Python </a:t>
-            </a:r>
-          </a:p>
-          <a:p>
-            <a:pPr marL="457200" indent="-457200">
-              <a:buFont typeface="Arial" panose="020B0604020202020204" pitchFamily="34" charset="0"/>
-              <a:buChar char="•"/>
-            </a:pPr>
-            <a:r>
-              <a:rPr lang="en-GB" sz="3200" dirty="0">
-                <a:latin typeface="Garamond" panose="02020404030301010803" pitchFamily="18" charset="0"/>
-              </a:rPr>
               <a:t>React</a:t>
             </a:r>
-          </a:p>
-          <a:p>
-            <a:pPr marL="457200" indent="-457200">
-              <a:buFont typeface="Arial" panose="020B0604020202020204" pitchFamily="34" charset="0"/>
-              <a:buChar char="•"/>
-            </a:pPr>
-            <a:r>
-              <a:rPr lang="en-GB" sz="3200">
-                <a:latin typeface="Garamond" panose="02020404030301010803" pitchFamily="18" charset="0"/>
-              </a:rPr>
-              <a:t>Node.js</a:t>
-            </a:r>
-            <a:endParaRPr lang="en-GB" sz="3200" dirty="0">
-              <a:latin typeface="Garamond" panose="02020404030301010803" pitchFamily="18" charset="0"/>
-            </a:endParaRPr>
           </a:p>
         </p:txBody>
       </p:sp>
@@ -3610,7 +3592,7 @@
         </p:blipFill>
         <p:spPr bwMode="auto">
           <a:xfrm>
-            <a:off x="317803" y="730414"/>
+            <a:off x="2146368" y="428265"/>
             <a:ext cx="2762250" cy="1657350"/>
           </a:xfrm>
           <a:prstGeom prst="rect">
@@ -3630,10 +3612,10 @@
       </p:pic>
       <p:pic>
         <p:nvPicPr>
-          <p:cNvPr id="1028" name="Picture 4" descr="Microsoft Azure: Cloud Computing Power at its Best – Cambridge Support">
-            <a:extLst>
-              <a:ext uri="{FF2B5EF4-FFF2-40B4-BE49-F238E27FC236}">
-                <a16:creationId xmlns:a16="http://schemas.microsoft.com/office/drawing/2014/main" id="{744FD956-71AA-4AA2-8A24-DC2408B8A08D}"/>
+          <p:cNvPr id="1032" name="Picture 8" descr="Top 5 Online Courses to Learn React.js in Depth — Best of Lot | by  javinpaul | Medium">
+            <a:extLst>
+              <a:ext uri="{FF2B5EF4-FFF2-40B4-BE49-F238E27FC236}">
+                <a16:creationId xmlns:a16="http://schemas.microsoft.com/office/drawing/2014/main" id="{B597D83C-5CD8-483D-83D1-1930EFBD5BC0}"/>
               </a:ext>
             </a:extLst>
           </p:cNvPr>
@@ -3657,101 +3639,7 @@
         </p:blipFill>
         <p:spPr bwMode="auto">
           <a:xfrm>
-            <a:off x="3479869" y="187981"/>
-            <a:ext cx="2857500" cy="1600200"/>
-          </a:xfrm>
-          <a:prstGeom prst="rect">
-            <a:avLst/>
-          </a:prstGeom>
-          <a:noFill/>
-          <a:extLst>
-            <a:ext uri="{909E8E84-426E-40DD-AFC4-6F175D3DCCD1}">
-              <a14:hiddenFill xmlns:a14="http://schemas.microsoft.com/office/drawing/2010/main">
-                <a:solidFill>
-                  <a:srgbClr val="FFFFFF"/>
-                </a:solidFill>
-              </a14:hiddenFill>
-            </a:ext>
-          </a:extLst>
-        </p:spPr>
-      </p:pic>
-      <p:pic>
-        <p:nvPicPr>
-          <p:cNvPr id="1030" name="Picture 6">
-            <a:extLst>
-              <a:ext uri="{FF2B5EF4-FFF2-40B4-BE49-F238E27FC236}">
-                <a16:creationId xmlns:a16="http://schemas.microsoft.com/office/drawing/2014/main" id="{B02597FC-D91B-4572-B6A4-ADA03DE732ED}"/>
-              </a:ext>
-            </a:extLst>
-          </p:cNvPr>
-          <p:cNvPicPr>
-            <a:picLocks noChangeAspect="1" noChangeArrowheads="1"/>
-          </p:cNvPicPr>
-          <p:nvPr/>
-        </p:nvPicPr>
-        <p:blipFill>
-          <a:blip r:embed="rId4">
-            <a:extLst>
-              <a:ext uri="{28A0092B-C50C-407E-A947-70E740481C1C}">
-                <a14:useLocalDpi xmlns:a14="http://schemas.microsoft.com/office/drawing/2010/main" val="0"/>
-              </a:ext>
-            </a:extLst>
-          </a:blip>
-          <a:srcRect/>
-          <a:stretch>
-            <a:fillRect/>
-          </a:stretch>
-        </p:blipFill>
-        <p:spPr bwMode="auto">
-          <a:xfrm>
-            <a:off x="476289" y="2738666"/>
-            <a:ext cx="2143125" cy="2143125"/>
-          </a:xfrm>
-          <a:prstGeom prst="rect">
-            <a:avLst/>
-          </a:prstGeom>
-          <a:noFill/>
-          <a:extLst>
-            <a:ext uri="{909E8E84-426E-40DD-AFC4-6F175D3DCCD1}">
-              <a14:hiddenFill xmlns:a14="http://schemas.microsoft.com/office/drawing/2010/main">
-                <a:solidFill>
-                  <a:srgbClr val="FFFFFF"/>
-                </a:solidFill>
-              </a14:hiddenFill>
-            </a:ext>
-          </a:extLst>
-        </p:spPr>
-      </p:pic>
-      <p:pic>
-        <p:nvPicPr>
-          <p:cNvPr id="1032" name="Picture 8" descr="Top 5 Online Courses to Learn React.js in Depth — Best of Lot | by  javinpaul | Medium">
-            <a:extLst>
-              <a:ext uri="{FF2B5EF4-FFF2-40B4-BE49-F238E27FC236}">
-                <a16:creationId xmlns:a16="http://schemas.microsoft.com/office/drawing/2014/main" id="{B597D83C-5CD8-483D-83D1-1930EFBD5BC0}"/>
-              </a:ext>
-            </a:extLst>
-          </p:cNvPr>
-          <p:cNvPicPr>
-            <a:picLocks noChangeAspect="1" noChangeArrowheads="1"/>
-          </p:cNvPicPr>
-          <p:nvPr/>
-        </p:nvPicPr>
-        <p:blipFill>
-          <a:blip r:embed="rId5">
-            <a:extLst>
-              <a:ext uri="{28A0092B-C50C-407E-A947-70E740481C1C}">
-                <a14:useLocalDpi xmlns:a14="http://schemas.microsoft.com/office/drawing/2010/main" val="0"/>
-              </a:ext>
-            </a:extLst>
-          </a:blip>
-          <a:srcRect/>
-          <a:stretch>
-            <a:fillRect/>
-          </a:stretch>
-        </p:blipFill>
-        <p:spPr bwMode="auto">
-          <a:xfrm>
-            <a:off x="3294131" y="3092664"/>
+            <a:off x="2072549" y="5346408"/>
             <a:ext cx="3228975" cy="1419225"/>
           </a:xfrm>
           <a:prstGeom prst="rect">
@@ -3771,10 +3659,10 @@
       </p:pic>
       <p:pic>
         <p:nvPicPr>
-          <p:cNvPr id="4" name="Picture 2">
-            <a:extLst>
-              <a:ext uri="{FF2B5EF4-FFF2-40B4-BE49-F238E27FC236}">
-                <a16:creationId xmlns:a16="http://schemas.microsoft.com/office/drawing/2014/main" id="{3700566E-BBF7-4122-BD7E-5F27C1E9CE7B}"/>
+          <p:cNvPr id="3" name="Picture 2">
+            <a:extLst>
+              <a:ext uri="{FF2B5EF4-FFF2-40B4-BE49-F238E27FC236}">
+                <a16:creationId xmlns:a16="http://schemas.microsoft.com/office/drawing/2014/main" id="{91133A24-AE4F-4274-BBDC-5F62DADA00A0}"/>
               </a:ext>
             </a:extLst>
           </p:cNvPr>
@@ -3784,7 +3672,7 @@
           <p:nvPr/>
         </p:nvPicPr>
         <p:blipFill>
-          <a:blip r:embed="rId6">
+          <a:blip r:embed="rId4">
             <a:extLst>
               <a:ext uri="{28A0092B-C50C-407E-A947-70E740481C1C}">
                 <a14:useLocalDpi xmlns:a14="http://schemas.microsoft.com/office/drawing/2010/main" val="0"/>
@@ -3798,8 +3686,8 @@
         </p:blipFill>
         <p:spPr bwMode="auto">
           <a:xfrm>
-            <a:off x="4327594" y="1764147"/>
-            <a:ext cx="2009775" cy="676275"/>
+            <a:off x="2551932" y="2422932"/>
+            <a:ext cx="2095500" cy="1285875"/>
           </a:xfrm>
           <a:prstGeom prst="rect">
             <a:avLst/>
@@ -3818,49 +3706,32 @@
       </p:pic>
       <p:pic>
         <p:nvPicPr>
-          <p:cNvPr id="3" name="Picture 2">
-            <a:extLst>
-              <a:ext uri="{FF2B5EF4-FFF2-40B4-BE49-F238E27FC236}">
-                <a16:creationId xmlns:a16="http://schemas.microsoft.com/office/drawing/2014/main" id="{91133A24-AE4F-4274-BBDC-5F62DADA00A0}"/>
+          <p:cNvPr id="10" name="Picture 9">
+            <a:extLst>
+              <a:ext uri="{FF2B5EF4-FFF2-40B4-BE49-F238E27FC236}">
+                <a16:creationId xmlns:a16="http://schemas.microsoft.com/office/drawing/2014/main" id="{DCD7A09E-83D9-439D-8972-149E1913CF39}"/>
               </a:ext>
             </a:extLst>
           </p:cNvPr>
           <p:cNvPicPr>
-            <a:picLocks noChangeAspect="1" noChangeArrowheads="1"/>
+            <a:picLocks noChangeAspect="1"/>
           </p:cNvPicPr>
           <p:nvPr/>
         </p:nvPicPr>
         <p:blipFill>
-          <a:blip r:embed="rId7">
-            <a:extLst>
-              <a:ext uri="{28A0092B-C50C-407E-A947-70E740481C1C}">
-                <a14:useLocalDpi xmlns:a14="http://schemas.microsoft.com/office/drawing/2010/main" val="0"/>
-              </a:ext>
-            </a:extLst>
-          </a:blip>
-          <a:srcRect/>
+          <a:blip r:embed="rId5"/>
           <a:stretch>
             <a:fillRect/>
           </a:stretch>
         </p:blipFill>
-        <p:spPr bwMode="auto">
+        <p:spPr>
           <a:xfrm>
-            <a:off x="3736677" y="4655805"/>
-            <a:ext cx="2095500" cy="1285875"/>
+            <a:off x="2399532" y="4150480"/>
+            <a:ext cx="2247900" cy="885825"/>
           </a:xfrm>
           <a:prstGeom prst="rect">
             <a:avLst/>
           </a:prstGeom>
-          <a:noFill/>
-          <a:extLst>
-            <a:ext uri="{909E8E84-426E-40DD-AFC4-6F175D3DCCD1}">
-              <a14:hiddenFill xmlns:a14="http://schemas.microsoft.com/office/drawing/2010/main">
-                <a:solidFill>
-                  <a:srgbClr val="FFFFFF"/>
-                </a:solidFill>
-              </a14:hiddenFill>
-            </a:ext>
-          </a:extLst>
         </p:spPr>
       </p:pic>
     </p:spTree>
@@ -4172,6 +4043,24 @@
 </file>
 
 <file path=customXml/item1.xml><?xml version="1.0" encoding="utf-8"?>
+<?mso-contentType ?>
+<FormTemplates xmlns="http://schemas.microsoft.com/sharepoint/v3/contenttype/forms">
+  <Display>DocumentLibraryForm</Display>
+  <Edit>DocumentLibraryForm</Edit>
+  <New>DocumentLibraryForm</New>
+</FormTemplates>
+</file>
+
+<file path=customXml/item2.xml><?xml version="1.0" encoding="utf-8"?>
+<p:properties xmlns:p="http://schemas.microsoft.com/office/2006/metadata/properties" xmlns:xsi="http://www.w3.org/2001/XMLSchema-instance" xmlns:pc="http://schemas.microsoft.com/office/infopath/2007/PartnerControls">
+  <documentManagement>
+    <Status xmlns="71af3243-3dd4-4a8d-8c0d-dd76da1f02a5">Not started</Status>
+    <MediaServiceKeyPoints xmlns="71af3243-3dd4-4a8d-8c0d-dd76da1f02a5" xsi:nil="true"/>
+  </documentManagement>
+</p:properties>
+</file>
+
+<file path=customXml/item3.xml><?xml version="1.0" encoding="utf-8"?>
 <ct:contentTypeSchema xmlns:ct="http://schemas.microsoft.com/office/2006/metadata/contentType" xmlns:ma="http://schemas.microsoft.com/office/2006/metadata/properties/metaAttributes" ct:_="" ma:_="" ma:contentTypeName="Document" ma:contentTypeID="0x01010079F111ED35F8CC479449609E8A0923A6" ma:contentTypeVersion="12" ma:contentTypeDescription="Create a new document." ma:contentTypeScope="" ma:versionID="a410dd7f93c95333ffa1b60ed6adedd1">
   <xsd:schema xmlns:xsd="http://www.w3.org/2001/XMLSchema" xmlns:xs="http://www.w3.org/2001/XMLSchema" xmlns:p="http://schemas.microsoft.com/office/2006/metadata/properties" xmlns:ns2="71af3243-3dd4-4a8d-8c0d-dd76da1f02a5" xmlns:ns3="16c05727-aa75-4e4a-9b5f-8a80a1165891" targetNamespace="http://schemas.microsoft.com/office/2006/metadata/properties" ma:root="true" ma:fieldsID="a936d9baba76aa3866493feff160faab" ns2:_="" ns3:_="">
     <xsd:import namespace="71af3243-3dd4-4a8d-8c0d-dd76da1f02a5"/>
@@ -4392,39 +4281,10 @@
 </ct:contentTypeSchema>
 </file>
 
-<file path=customXml/item2.xml><?xml version="1.0" encoding="utf-8"?>
-<p:properties xmlns:p="http://schemas.microsoft.com/office/2006/metadata/properties" xmlns:xsi="http://www.w3.org/2001/XMLSchema-instance" xmlns:pc="http://schemas.microsoft.com/office/infopath/2007/PartnerControls">
-  <documentManagement>
-    <Status xmlns="71af3243-3dd4-4a8d-8c0d-dd76da1f02a5">Not started</Status>
-    <MediaServiceKeyPoints xmlns="71af3243-3dd4-4a8d-8c0d-dd76da1f02a5" xsi:nil="true"/>
-  </documentManagement>
-</p:properties>
-</file>
-
-<file path=customXml/item3.xml><?xml version="1.0" encoding="utf-8"?>
-<?mso-contentType ?>
-<FormTemplates xmlns="http://schemas.microsoft.com/sharepoint/v3/contenttype/forms">
-  <Display>DocumentLibraryForm</Display>
-  <Edit>DocumentLibraryForm</Edit>
-  <New>DocumentLibraryForm</New>
-</FormTemplates>
-</file>
-
 <file path=customXml/itemProps1.xml><?xml version="1.0" encoding="utf-8"?>
-<ds:datastoreItem xmlns:ds="http://schemas.openxmlformats.org/officeDocument/2006/customXml" ds:itemID="{16377351-63A1-4C2E-8C9A-66CDD70F16AC}">
+<ds:datastoreItem xmlns:ds="http://schemas.openxmlformats.org/officeDocument/2006/customXml" ds:itemID="{31F006B4-A9E1-4F39-85C8-FB836F919348}">
   <ds:schemaRefs>
-    <ds:schemaRef ds:uri="http://schemas.microsoft.com/office/2006/metadata/contentType"/>
-    <ds:schemaRef ds:uri="http://schemas.microsoft.com/office/2006/metadata/properties/metaAttributes"/>
-    <ds:schemaRef ds:uri="http://www.w3.org/2001/XMLSchema"/>
-    <ds:schemaRef ds:uri="http://schemas.microsoft.com/office/2006/metadata/properties"/>
-    <ds:schemaRef ds:uri="71af3243-3dd4-4a8d-8c0d-dd76da1f02a5"/>
-    <ds:schemaRef ds:uri="16c05727-aa75-4e4a-9b5f-8a80a1165891"/>
-    <ds:schemaRef ds:uri="http://schemas.microsoft.com/office/2006/documentManagement/types"/>
-    <ds:schemaRef ds:uri="http://schemas.microsoft.com/office/infopath/2007/PartnerControls"/>
-    <ds:schemaRef ds:uri="http://schemas.openxmlformats.org/package/2006/metadata/core-properties"/>
-    <ds:schemaRef ds:uri="http://purl.org/dc/elements/1.1/"/>
-    <ds:schemaRef ds:uri="http://purl.org/dc/terms/"/>
-    <ds:schemaRef ds:uri="http://schemas.microsoft.com/internal/obd"/>
+    <ds:schemaRef ds:uri="http://schemas.microsoft.com/sharepoint/v3/contenttype/forms"/>
   </ds:schemaRefs>
 </ds:datastoreItem>
 </file>
@@ -4447,9 +4307,20 @@
 </file>
 
 <file path=customXml/itemProps3.xml><?xml version="1.0" encoding="utf-8"?>
-<ds:datastoreItem xmlns:ds="http://schemas.openxmlformats.org/officeDocument/2006/customXml" ds:itemID="{31F006B4-A9E1-4F39-85C8-FB836F919348}">
+<ds:datastoreItem xmlns:ds="http://schemas.openxmlformats.org/officeDocument/2006/customXml" ds:itemID="{16377351-63A1-4C2E-8C9A-66CDD70F16AC}">
   <ds:schemaRefs>
-    <ds:schemaRef ds:uri="http://schemas.microsoft.com/sharepoint/v3/contenttype/forms"/>
+    <ds:schemaRef ds:uri="http://schemas.microsoft.com/office/2006/metadata/contentType"/>
+    <ds:schemaRef ds:uri="http://schemas.microsoft.com/office/2006/metadata/properties/metaAttributes"/>
+    <ds:schemaRef ds:uri="http://www.w3.org/2001/XMLSchema"/>
+    <ds:schemaRef ds:uri="http://schemas.microsoft.com/office/2006/metadata/properties"/>
+    <ds:schemaRef ds:uri="71af3243-3dd4-4a8d-8c0d-dd76da1f02a5"/>
+    <ds:schemaRef ds:uri="16c05727-aa75-4e4a-9b5f-8a80a1165891"/>
+    <ds:schemaRef ds:uri="http://schemas.microsoft.com/office/2006/documentManagement/types"/>
+    <ds:schemaRef ds:uri="http://schemas.microsoft.com/office/infopath/2007/PartnerControls"/>
+    <ds:schemaRef ds:uri="http://schemas.openxmlformats.org/package/2006/metadata/core-properties"/>
+    <ds:schemaRef ds:uri="http://purl.org/dc/elements/1.1/"/>
+    <ds:schemaRef ds:uri="http://purl.org/dc/terms/"/>
+    <ds:schemaRef ds:uri="http://schemas.microsoft.com/internal/obd"/>
   </ds:schemaRefs>
 </ds:datastoreItem>
 </file>